--- a/Описание.pptx
+++ b/Описание.pptx
@@ -6221,6 +6221,18 @@
             </a:r>
             <a:r>
               <a:rPr lang="en-US" dirty="0" smtClean="0"/>
+              <a:t> </a:t>
+            </a:r>
+            <a:r>
+              <a:rPr lang="ru-RU" dirty="0" smtClean="0"/>
+              <a:t>написанный на библиотеке </a:t>
+            </a:r>
+            <a:r>
+              <a:rPr lang="en-US" dirty="0" err="1" smtClean="0"/>
+              <a:t>pygame</a:t>
+            </a:r>
+            <a:r>
+              <a:rPr lang="en-US" dirty="0" smtClean="0"/>
               <a:t>, </a:t>
             </a:r>
             <a:r>

--- a/Описание.pptx
+++ b/Описание.pptx
@@ -106,6 +106,11 @@
       </a:defRPr>
     </a:lvl9pPr>
   </p:defaultTextStyle>
+  <p:extLst>
+    <p:ext uri="{EFAFB233-063F-42B5-8137-9DF3F51BA10A}">
+      <p15:sldGuideLst xmlns:p15="http://schemas.microsoft.com/office/powerpoint/2012/main"/>
+    </p:ext>
+  </p:extLst>
 </p:presentation>
 </file>
 
@@ -6228,8 +6233,36 @@
               <a:t>написанный на библиотеке </a:t>
             </a:r>
             <a:r>
-              <a:rPr lang="en-US" dirty="0" err="1" smtClean="0"/>
-              <a:t>pygame</a:t>
+              <a:rPr lang="en-US" dirty="0" smtClean="0"/>
+              <a:t>pygame, </a:t>
+            </a:r>
+            <a:r>
+              <a:rPr lang="ru-RU" dirty="0" smtClean="0"/>
+              <a:t>где вы управляете своим кораблем при помощи мышки</a:t>
+            </a:r>
+            <a:r>
+              <a:rPr lang="en-US" dirty="0" smtClean="0"/>
+              <a:t> (</a:t>
+            </a:r>
+            <a:r>
+              <a:rPr lang="ru-RU" dirty="0" smtClean="0"/>
+              <a:t>движение мышки-перемещение корабля</a:t>
+            </a:r>
+            <a:r>
+              <a:rPr lang="en-US" dirty="0" smtClean="0"/>
+              <a:t>,</a:t>
+            </a:r>
+            <a:r>
+              <a:rPr lang="ru-RU" dirty="0" smtClean="0"/>
+              <a:t> ЛКМ - выстрел</a:t>
+            </a:r>
+            <a:r>
+              <a:rPr lang="en-US" dirty="0" smtClean="0"/>
+              <a:t>),</a:t>
+            </a:r>
+            <a:r>
+              <a:rPr lang="ru-RU" dirty="0" smtClean="0"/>
+              <a:t> игра начинается с того же уровня</a:t>
             </a:r>
             <a:r>
               <a:rPr lang="en-US" dirty="0" smtClean="0"/>
@@ -6237,27 +6270,19 @@
             </a:r>
             <a:r>
               <a:rPr lang="ru-RU" dirty="0" smtClean="0"/>
-              <a:t>где вы управляете своим кораблем при помощи мышки</a:t>
+              <a:t>где вы проиграли</a:t>
             </a:r>
             <a:r>
               <a:rPr lang="en-US" dirty="0" smtClean="0"/>
-              <a:t> (</a:t>
+              <a:t>, </a:t>
             </a:r>
             <a:r>
               <a:rPr lang="ru-RU" dirty="0" smtClean="0"/>
-              <a:t>движение мышки-перемещение корабля</a:t>
+              <a:t>нажатием клавиши пробел или с перезагрузкой игры</a:t>
             </a:r>
             <a:r>
               <a:rPr lang="en-US" dirty="0" smtClean="0"/>
-              <a:t>,</a:t>
-            </a:r>
-            <a:r>
-              <a:rPr lang="ru-RU" dirty="0" smtClean="0"/>
-              <a:t> ЛКМ - выстрел</a:t>
-            </a:r>
-            <a:r>
-              <a:rPr lang="en-US" dirty="0" smtClean="0"/>
-              <a:t>)</a:t>
+              <a:t>.</a:t>
             </a:r>
             <a:endParaRPr lang="ru-RU" dirty="0" smtClean="0"/>
           </a:p>
